--- a/reports/Midterm_Presentation_AnniePhan.pptx
+++ b/reports/Midterm_Presentation_AnniePhan.pptx
@@ -114,6 +114,11 @@
       </a:defRPr>
     </a:lvl9pPr>
   </p:defaultTextStyle>
+  <p:extLst>
+    <p:ext uri="{EFAFB233-063F-42B5-8137-9DF3F51BA10A}">
+      <p15:sldGuideLst xmlns:p15="http://schemas.microsoft.com/office/powerpoint/2012/main"/>
+    </p:ext>
+  </p:extLst>
 </p:presentation>
 </file>
 
@@ -4161,7 +4166,7 @@
           <a:p>
             <a:fld id="{72345051-2045-45DA-935E-2E3CA1A69ADC}" type="datetimeFigureOut">
               <a:rPr lang="en-US" smtClean="0"/>
-              <a:t>10/13/20</a:t>
+              <a:t>11/30/20</a:t>
             </a:fld>
             <a:endParaRPr lang="en-US" dirty="0"/>
           </a:p>
@@ -4359,7 +4364,7 @@
           <a:p>
             <a:fld id="{72345051-2045-45DA-935E-2E3CA1A69ADC}" type="datetimeFigureOut">
               <a:rPr lang="en-US" smtClean="0"/>
-              <a:t>10/13/20</a:t>
+              <a:t>11/30/20</a:t>
             </a:fld>
             <a:endParaRPr lang="en-US"/>
           </a:p>
@@ -4567,7 +4572,7 @@
           <a:p>
             <a:fld id="{72345051-2045-45DA-935E-2E3CA1A69ADC}" type="datetimeFigureOut">
               <a:rPr lang="en-US" smtClean="0"/>
-              <a:t>10/13/20</a:t>
+              <a:t>11/30/20</a:t>
             </a:fld>
             <a:endParaRPr lang="en-US"/>
           </a:p>
@@ -4789,7 +4794,7 @@
           <a:p>
             <a:fld id="{72345051-2045-45DA-935E-2E3CA1A69ADC}" type="datetimeFigureOut">
               <a:rPr lang="en-US" smtClean="0"/>
-              <a:t>10/13/20</a:t>
+              <a:t>11/30/20</a:t>
             </a:fld>
             <a:endParaRPr lang="en-US"/>
           </a:p>
@@ -5700,7 +5705,7 @@
           <a:p>
             <a:fld id="{72345051-2045-45DA-935E-2E3CA1A69ADC}" type="datetimeFigureOut">
               <a:rPr lang="en-US" smtClean="0"/>
-              <a:t>10/13/20</a:t>
+              <a:t>11/30/20</a:t>
             </a:fld>
             <a:endParaRPr lang="en-US"/>
           </a:p>
@@ -6303,7 +6308,7 @@
           <a:p>
             <a:fld id="{72345051-2045-45DA-935E-2E3CA1A69ADC}" type="datetimeFigureOut">
               <a:rPr lang="en-US" smtClean="0"/>
-              <a:t>10/13/20</a:t>
+              <a:t>11/30/20</a:t>
             </a:fld>
             <a:endParaRPr lang="en-US"/>
           </a:p>
@@ -7351,7 +7356,7 @@
           <a:p>
             <a:fld id="{72345051-2045-45DA-935E-2E3CA1A69ADC}" type="datetimeFigureOut">
               <a:rPr lang="en-US" smtClean="0"/>
-              <a:t>10/13/20</a:t>
+              <a:t>11/30/20</a:t>
             </a:fld>
             <a:endParaRPr lang="en-US"/>
           </a:p>
@@ -8135,7 +8140,7 @@
           <a:p>
             <a:fld id="{72345051-2045-45DA-935E-2E3CA1A69ADC}" type="datetimeFigureOut">
               <a:rPr lang="en-US" smtClean="0"/>
-              <a:t>10/13/20</a:t>
+              <a:t>11/30/20</a:t>
             </a:fld>
             <a:endParaRPr lang="en-US"/>
           </a:p>
@@ -8584,7 +8589,7 @@
           <a:p>
             <a:fld id="{72345051-2045-45DA-935E-2E3CA1A69ADC}" type="datetimeFigureOut">
               <a:rPr lang="en-US" smtClean="0"/>
-              <a:t>10/13/20</a:t>
+              <a:t>11/30/20</a:t>
             </a:fld>
             <a:endParaRPr lang="en-US"/>
           </a:p>
@@ -8901,7 +8906,7 @@
           <a:p>
             <a:fld id="{72345051-2045-45DA-935E-2E3CA1A69ADC}" type="datetimeFigureOut">
               <a:rPr lang="en-US" smtClean="0"/>
-              <a:t>10/13/20</a:t>
+              <a:t>11/30/20</a:t>
             </a:fld>
             <a:endParaRPr lang="en-US"/>
           </a:p>
@@ -9529,7 +9534,7 @@
           <a:p>
             <a:fld id="{72345051-2045-45DA-935E-2E3CA1A69ADC}" type="datetimeFigureOut">
               <a:rPr lang="en-US" smtClean="0"/>
-              <a:t>10/13/20</a:t>
+              <a:t>11/30/20</a:t>
             </a:fld>
             <a:endParaRPr lang="en-US"/>
           </a:p>
@@ -10102,7 +10107,7 @@
           <a:p>
             <a:fld id="{72345051-2045-45DA-935E-2E3CA1A69ADC}" type="datetimeFigureOut">
               <a:rPr lang="en-US" smtClean="0"/>
-              <a:t>10/13/20</a:t>
+              <a:t>11/30/20</a:t>
             </a:fld>
             <a:endParaRPr lang="en-US" dirty="0"/>
           </a:p>
@@ -11096,7 +11101,7 @@
         <p:spPr>
           <a:xfrm>
             <a:off x="890338" y="3343562"/>
-            <a:ext cx="3734015" cy="646331"/>
+            <a:ext cx="3734015" cy="369332"/>
           </a:xfrm>
           <a:prstGeom prst="rect">
             <a:avLst/>
@@ -11109,25 +11114,12 @@
           <a:lstStyle/>
           <a:p>
             <a:r>
-              <a:rPr lang="en-US" dirty="0"/>
-              <a:t>https://</a:t>
+              <a:rPr lang="en-US" b="1" u="sng" dirty="0">
+                <a:hlinkClick r:id="rId3"/>
+              </a:rPr>
+              <a:t>https://github.com/annieptba/data1030_project.git</a:t>
             </a:r>
-            <a:r>
-              <a:rPr lang="en-US" dirty="0" err="1"/>
-              <a:t>github.com</a:t>
-            </a:r>
-            <a:r>
-              <a:rPr lang="en-US" dirty="0"/>
-              <a:t>/</a:t>
-            </a:r>
-            <a:r>
-              <a:rPr lang="en-US" dirty="0" err="1"/>
-              <a:t>annieptba</a:t>
-            </a:r>
-            <a:r>
-              <a:rPr lang="en-US" dirty="0"/>
-              <a:t>/data1030_project_-portugese-secondary-student-performance.git</a:t>
-            </a:r>
+            <a:endParaRPr lang="en-US" dirty="0"/>
           </a:p>
         </p:txBody>
       </p:sp>
@@ -11686,8 +11678,8 @@
           </a:p>
         </p:txBody>
       </p:sp>
-      <mc:AlternateContent xmlns:mc="http://schemas.openxmlformats.org/markup-compatibility/2006">
-        <mc:Choice xmlns:p14="http://schemas.microsoft.com/office/powerpoint/2010/main" Requires="p14">
+      <mc:AlternateContent xmlns:mc="http://schemas.openxmlformats.org/markup-compatibility/2006" xmlns:p14="http://schemas.microsoft.com/office/powerpoint/2010/main">
+        <mc:Choice Requires="p14">
           <p:contentPart p14:bwMode="auto" r:id="rId2">
             <p14:nvContentPartPr>
               <p14:cNvPr id="21" name="Ink 20">
@@ -11717,7 +11709,7 @@
             </p14:xfrm>
           </p:contentPart>
         </mc:Choice>
-        <mc:Fallback>
+        <mc:Fallback xmlns="">
           <p:pic>
             <p:nvPicPr>
               <p:cNvPr id="21" name="Ink 20">
@@ -13155,19 +13147,19 @@
         </p:spPr>
         <p:txBody>
           <a:bodyPr anchor="ctr">
-            <a:normAutofit/>
+            <a:normAutofit fontScale="90000"/>
           </a:bodyPr>
           <a:lstStyle/>
           <a:p>
             <a:r>
               <a:rPr lang="en-US" sz="4600" dirty="0"/>
-              <a:t>EDA – HISTOGRAMS AND BAR CHARTS</a:t>
+              <a:t>EDA – final grades and pass fail overview</a:t>
             </a:r>
           </a:p>
         </p:txBody>
       </p:sp>
-      <mc:AlternateContent xmlns:mc="http://schemas.openxmlformats.org/markup-compatibility/2006">
-        <mc:Choice xmlns:p14="http://schemas.microsoft.com/office/powerpoint/2010/main" Requires="p14">
+      <mc:AlternateContent xmlns:mc="http://schemas.openxmlformats.org/markup-compatibility/2006" xmlns:p14="http://schemas.microsoft.com/office/powerpoint/2010/main">
+        <mc:Choice Requires="p14">
           <p:contentPart p14:bwMode="auto" r:id="rId2">
             <p14:nvContentPartPr>
               <p14:cNvPr id="40" name="Ink 39">
@@ -13197,7 +13189,7 @@
             </p14:xfrm>
           </p:contentPart>
         </mc:Choice>
-        <mc:Fallback>
+        <mc:Fallback xmlns="">
           <p:pic>
             <p:nvPicPr>
               <p:cNvPr id="40" name="Ink 39">
@@ -13527,10 +13519,10 @@
       </p:sp>
       <p:pic>
         <p:nvPicPr>
-          <p:cNvPr id="29" name="Picture 28" descr="Chart, bar chart&#10;&#10;Description automatically generated">
+          <p:cNvPr id="5" name="Picture 4">
             <a:extLst>
               <a:ext uri="{FF2B5EF4-FFF2-40B4-BE49-F238E27FC236}">
-                <a16:creationId xmlns:a16="http://schemas.microsoft.com/office/drawing/2014/main" id="{41A7F5FC-B714-2847-97AD-A0A52C715787}"/>
+                <a16:creationId xmlns:a16="http://schemas.microsoft.com/office/drawing/2014/main" id="{99460F24-DE6D-2144-BA6E-70616F92B03A}"/>
               </a:ext>
             </a:extLst>
           </p:cNvPr>
@@ -13547,8 +13539,8 @@
         </p:blipFill>
         <p:spPr>
           <a:xfrm>
-            <a:off x="173736" y="3227832"/>
-            <a:ext cx="3840480" cy="2880360"/>
+            <a:off x="4300854" y="3358692"/>
+            <a:ext cx="7675755" cy="2844860"/>
           </a:xfrm>
           <a:prstGeom prst="rect">
             <a:avLst/>
@@ -13557,10 +13549,10 @@
       </p:pic>
       <p:pic>
         <p:nvPicPr>
-          <p:cNvPr id="33" name="Picture 32" descr="Chart, histogram&#10;&#10;Description automatically generated">
+          <p:cNvPr id="7" name="Picture 6">
             <a:extLst>
               <a:ext uri="{FF2B5EF4-FFF2-40B4-BE49-F238E27FC236}">
-                <a16:creationId xmlns:a16="http://schemas.microsoft.com/office/drawing/2014/main" id="{F5D5B3FA-C3F1-7D4D-952A-ED1842703F6A}"/>
+                <a16:creationId xmlns:a16="http://schemas.microsoft.com/office/drawing/2014/main" id="{79C22233-4896-BD4D-B3F6-9DE3CA663B29}"/>
               </a:ext>
             </a:extLst>
           </p:cNvPr>
@@ -13577,38 +13569,8 @@
         </p:blipFill>
         <p:spPr>
           <a:xfrm>
-            <a:off x="7806569" y="3357447"/>
-            <a:ext cx="3840480" cy="2707537"/>
-          </a:xfrm>
-          <a:prstGeom prst="rect">
-            <a:avLst/>
-          </a:prstGeom>
-        </p:spPr>
-      </p:pic>
-      <p:pic>
-        <p:nvPicPr>
-          <p:cNvPr id="31" name="Picture 30" descr="Chart, histogram&#10;&#10;Description automatically generated">
-            <a:extLst>
-              <a:ext uri="{FF2B5EF4-FFF2-40B4-BE49-F238E27FC236}">
-                <a16:creationId xmlns:a16="http://schemas.microsoft.com/office/drawing/2014/main" id="{A8ABC9FF-2612-BD4B-B3D7-92A92E6D2A75}"/>
-              </a:ext>
-            </a:extLst>
-          </p:cNvPr>
-          <p:cNvPicPr>
-            <a:picLocks noChangeAspect="1"/>
-          </p:cNvPicPr>
-          <p:nvPr/>
-        </p:nvPicPr>
-        <p:blipFill>
-          <a:blip r:embed="rId6"/>
-          <a:stretch>
-            <a:fillRect/>
-          </a:stretch>
-        </p:blipFill>
-        <p:spPr>
-          <a:xfrm>
-            <a:off x="3924690" y="3400651"/>
-            <a:ext cx="3971406" cy="2621127"/>
+            <a:off x="70195" y="3732550"/>
+            <a:ext cx="3848268" cy="2541309"/>
           </a:xfrm>
           <a:prstGeom prst="rect">
             <a:avLst/>
@@ -13995,8 +13957,8 @@
           </a:p>
         </p:txBody>
       </p:sp>
-      <mc:AlternateContent xmlns:mc="http://schemas.openxmlformats.org/markup-compatibility/2006">
-        <mc:Choice xmlns:p14="http://schemas.microsoft.com/office/powerpoint/2010/main" Requires="p14">
+      <mc:AlternateContent xmlns:mc="http://schemas.openxmlformats.org/markup-compatibility/2006" xmlns:p14="http://schemas.microsoft.com/office/powerpoint/2010/main">
+        <mc:Choice Requires="p14">
           <p:contentPart p14:bwMode="auto" r:id="rId2">
             <p14:nvContentPartPr>
               <p14:cNvPr id="16" name="Ink 15">
@@ -14026,7 +13988,7 @@
             </p14:xfrm>
           </p:contentPart>
         </mc:Choice>
-        <mc:Fallback>
+        <mc:Fallback xmlns="">
           <p:pic>
             <p:nvPicPr>
               <p:cNvPr id="16" name="Ink 15">
@@ -14892,8 +14854,8 @@
           </a:p>
         </p:txBody>
       </p:sp>
-      <mc:AlternateContent xmlns:mc="http://schemas.openxmlformats.org/markup-compatibility/2006">
-        <mc:Choice xmlns:p14="http://schemas.microsoft.com/office/powerpoint/2010/main" Requires="p14">
+      <mc:AlternateContent xmlns:mc="http://schemas.openxmlformats.org/markup-compatibility/2006" xmlns:p14="http://schemas.microsoft.com/office/powerpoint/2010/main">
+        <mc:Choice Requires="p14">
           <p:contentPart p14:bwMode="auto" r:id="rId2">
             <p14:nvContentPartPr>
               <p14:cNvPr id="16" name="Ink 15">
@@ -14923,7 +14885,7 @@
             </p14:xfrm>
           </p:contentPart>
         </mc:Choice>
-        <mc:Fallback>
+        <mc:Fallback xmlns="">
           <p:pic>
             <p:nvPicPr>
               <p:cNvPr id="16" name="Ink 15">
@@ -17028,8 +16990,8 @@
           </a:p>
         </p:txBody>
       </p:sp>
-      <mc:AlternateContent xmlns:mc="http://schemas.openxmlformats.org/markup-compatibility/2006">
-        <mc:Choice xmlns:p14="http://schemas.microsoft.com/office/powerpoint/2010/main" Requires="p14">
+      <mc:AlternateContent xmlns:mc="http://schemas.openxmlformats.org/markup-compatibility/2006" xmlns:p14="http://schemas.microsoft.com/office/powerpoint/2010/main">
+        <mc:Choice Requires="p14">
           <p:contentPart p14:bwMode="auto" r:id="rId2">
             <p14:nvContentPartPr>
               <p14:cNvPr id="21" name="Ink 20">
@@ -17059,7 +17021,7 @@
             </p14:xfrm>
           </p:contentPart>
         </mc:Choice>
-        <mc:Fallback>
+        <mc:Fallback xmlns="">
           <p:pic>
             <p:nvPicPr>
               <p:cNvPr id="21" name="Ink 20">
